--- a/GraphQL.pptx
+++ b/GraphQL.pptx
@@ -4,12 +4,16 @@
   <p:sldMasterIdLst>
     <p:sldMasterId id="2147483648" r:id="rId1"/>
   </p:sldMasterIdLst>
+  <p:notesMasterIdLst>
+    <p:notesMasterId r:id="rId8"/>
+  </p:notesMasterIdLst>
   <p:sldIdLst>
     <p:sldId id="258" r:id="rId2"/>
     <p:sldId id="259" r:id="rId3"/>
     <p:sldId id="257" r:id="rId4"/>
     <p:sldId id="256" r:id="rId5"/>
     <p:sldId id="260" r:id="rId6"/>
+    <p:sldId id="261" r:id="rId7"/>
   </p:sldIdLst>
   <p:sldSz cx="12192000" cy="6858000"/>
   <p:notesSz cx="6858000" cy="9144000"/>
@@ -116,6 +120,355 @@
 </p:presentation>
 </file>
 
+<file path=ppt/notesMasters/notesMaster1.xml><?xml version="1.0" encoding="utf-8"?>
+<p:notesMaster xmlns:a="http://schemas.openxmlformats.org/drawingml/2006/main" xmlns:r="http://schemas.openxmlformats.org/officeDocument/2006/relationships" xmlns:p="http://schemas.openxmlformats.org/presentationml/2006/main">
+  <p:cSld>
+    <p:bg>
+      <p:bgRef idx="1001">
+        <a:schemeClr val="bg1"/>
+      </p:bgRef>
+    </p:bg>
+    <p:spTree>
+      <p:nvGrpSpPr>
+        <p:cNvPr id="1" name=""/>
+        <p:cNvGrpSpPr/>
+        <p:nvPr/>
+      </p:nvGrpSpPr>
+      <p:grpSpPr>
+        <a:xfrm>
+          <a:off x="0" y="0"/>
+          <a:ext cx="0" cy="0"/>
+          <a:chOff x="0" y="0"/>
+          <a:chExt cx="0" cy="0"/>
+        </a:xfrm>
+      </p:grpSpPr>
+      <p:sp>
+        <p:nvSpPr>
+          <p:cNvPr id="2" name="Header Placeholder 1"/>
+          <p:cNvSpPr>
+            <a:spLocks noGrp="1"/>
+          </p:cNvSpPr>
+          <p:nvPr>
+            <p:ph type="hdr" sz="quarter"/>
+          </p:nvPr>
+        </p:nvSpPr>
+        <p:spPr>
+          <a:xfrm>
+            <a:off x="0" y="0"/>
+            <a:ext cx="2971800" cy="458788"/>
+          </a:xfrm>
+          <a:prstGeom prst="rect">
+            <a:avLst/>
+          </a:prstGeom>
+        </p:spPr>
+        <p:txBody>
+          <a:bodyPr vert="horz" lIns="91440" tIns="45720" rIns="91440" bIns="45720" rtlCol="0"/>
+          <a:lstStyle>
+            <a:lvl1pPr algn="l">
+              <a:defRPr sz="1200"/>
+            </a:lvl1pPr>
+          </a:lstStyle>
+          <a:p>
+            <a:endParaRPr lang="en-US"/>
+          </a:p>
+        </p:txBody>
+      </p:sp>
+      <p:sp>
+        <p:nvSpPr>
+          <p:cNvPr id="3" name="Date Placeholder 2"/>
+          <p:cNvSpPr>
+            <a:spLocks noGrp="1"/>
+          </p:cNvSpPr>
+          <p:nvPr>
+            <p:ph type="dt" idx="1"/>
+          </p:nvPr>
+        </p:nvSpPr>
+        <p:spPr>
+          <a:xfrm>
+            <a:off x="3884613" y="0"/>
+            <a:ext cx="2971800" cy="458788"/>
+          </a:xfrm>
+          <a:prstGeom prst="rect">
+            <a:avLst/>
+          </a:prstGeom>
+        </p:spPr>
+        <p:txBody>
+          <a:bodyPr vert="horz" lIns="91440" tIns="45720" rIns="91440" bIns="45720" rtlCol="0"/>
+          <a:lstStyle>
+            <a:lvl1pPr algn="r">
+              <a:defRPr sz="1200"/>
+            </a:lvl1pPr>
+          </a:lstStyle>
+          <a:p>
+            <a:fld id="{F80AAD01-538E-4DE8-853E-54932F5832CE}" type="datetimeFigureOut">
+              <a:rPr lang="en-US" smtClean="0"/>
+              <a:t>8/17/2020</a:t>
+            </a:fld>
+            <a:endParaRPr lang="en-US"/>
+          </a:p>
+        </p:txBody>
+      </p:sp>
+      <p:sp>
+        <p:nvSpPr>
+          <p:cNvPr id="4" name="Slide Image Placeholder 3"/>
+          <p:cNvSpPr>
+            <a:spLocks noGrp="1" noRot="1" noChangeAspect="1"/>
+          </p:cNvSpPr>
+          <p:nvPr>
+            <p:ph type="sldImg" idx="2"/>
+          </p:nvPr>
+        </p:nvSpPr>
+        <p:spPr>
+          <a:xfrm>
+            <a:off x="685800" y="1143000"/>
+            <a:ext cx="5486400" cy="3086100"/>
+          </a:xfrm>
+          <a:prstGeom prst="rect">
+            <a:avLst/>
+          </a:prstGeom>
+          <a:noFill/>
+          <a:ln w="12700">
+            <a:solidFill>
+              <a:prstClr val="black"/>
+            </a:solidFill>
+          </a:ln>
+        </p:spPr>
+        <p:txBody>
+          <a:bodyPr vert="horz" lIns="91440" tIns="45720" rIns="91440" bIns="45720" rtlCol="0" anchor="ctr"/>
+          <a:lstStyle/>
+          <a:p>
+            <a:endParaRPr lang="en-US"/>
+          </a:p>
+        </p:txBody>
+      </p:sp>
+      <p:sp>
+        <p:nvSpPr>
+          <p:cNvPr id="5" name="Notes Placeholder 4"/>
+          <p:cNvSpPr>
+            <a:spLocks noGrp="1"/>
+          </p:cNvSpPr>
+          <p:nvPr>
+            <p:ph type="body" sz="quarter" idx="3"/>
+          </p:nvPr>
+        </p:nvSpPr>
+        <p:spPr>
+          <a:xfrm>
+            <a:off x="685800" y="4400550"/>
+            <a:ext cx="5486400" cy="3600450"/>
+          </a:xfrm>
+          <a:prstGeom prst="rect">
+            <a:avLst/>
+          </a:prstGeom>
+        </p:spPr>
+        <p:txBody>
+          <a:bodyPr vert="horz" lIns="91440" tIns="45720" rIns="91440" bIns="45720" rtlCol="0"/>
+          <a:lstStyle/>
+          <a:p>
+            <a:pPr lvl="0"/>
+            <a:r>
+              <a:rPr lang="en-US"/>
+              <a:t>Click to edit Master text styles</a:t>
+            </a:r>
+          </a:p>
+          <a:p>
+            <a:pPr lvl="1"/>
+            <a:r>
+              <a:rPr lang="en-US"/>
+              <a:t>Second level</a:t>
+            </a:r>
+          </a:p>
+          <a:p>
+            <a:pPr lvl="2"/>
+            <a:r>
+              <a:rPr lang="en-US"/>
+              <a:t>Third level</a:t>
+            </a:r>
+          </a:p>
+          <a:p>
+            <a:pPr lvl="3"/>
+            <a:r>
+              <a:rPr lang="en-US"/>
+              <a:t>Fourth level</a:t>
+            </a:r>
+          </a:p>
+          <a:p>
+            <a:pPr lvl="4"/>
+            <a:r>
+              <a:rPr lang="en-US"/>
+              <a:t>Fifth level</a:t>
+            </a:r>
+          </a:p>
+        </p:txBody>
+      </p:sp>
+      <p:sp>
+        <p:nvSpPr>
+          <p:cNvPr id="6" name="Footer Placeholder 5"/>
+          <p:cNvSpPr>
+            <a:spLocks noGrp="1"/>
+          </p:cNvSpPr>
+          <p:nvPr>
+            <p:ph type="ftr" sz="quarter" idx="4"/>
+          </p:nvPr>
+        </p:nvSpPr>
+        <p:spPr>
+          <a:xfrm>
+            <a:off x="0" y="8685213"/>
+            <a:ext cx="2971800" cy="458787"/>
+          </a:xfrm>
+          <a:prstGeom prst="rect">
+            <a:avLst/>
+          </a:prstGeom>
+        </p:spPr>
+        <p:txBody>
+          <a:bodyPr vert="horz" lIns="91440" tIns="45720" rIns="91440" bIns="45720" rtlCol="0" anchor="b"/>
+          <a:lstStyle>
+            <a:lvl1pPr algn="l">
+              <a:defRPr sz="1200"/>
+            </a:lvl1pPr>
+          </a:lstStyle>
+          <a:p>
+            <a:endParaRPr lang="en-US"/>
+          </a:p>
+        </p:txBody>
+      </p:sp>
+      <p:sp>
+        <p:nvSpPr>
+          <p:cNvPr id="7" name="Slide Number Placeholder 6"/>
+          <p:cNvSpPr>
+            <a:spLocks noGrp="1"/>
+          </p:cNvSpPr>
+          <p:nvPr>
+            <p:ph type="sldNum" sz="quarter" idx="5"/>
+          </p:nvPr>
+        </p:nvSpPr>
+        <p:spPr>
+          <a:xfrm>
+            <a:off x="3884613" y="8685213"/>
+            <a:ext cx="2971800" cy="458787"/>
+          </a:xfrm>
+          <a:prstGeom prst="rect">
+            <a:avLst/>
+          </a:prstGeom>
+        </p:spPr>
+        <p:txBody>
+          <a:bodyPr vert="horz" lIns="91440" tIns="45720" rIns="91440" bIns="45720" rtlCol="0" anchor="b"/>
+          <a:lstStyle>
+            <a:lvl1pPr algn="r">
+              <a:defRPr sz="1200"/>
+            </a:lvl1pPr>
+          </a:lstStyle>
+          <a:p>
+            <a:fld id="{44992302-73CA-4E99-9CB6-D30074C08012}" type="slidenum">
+              <a:rPr lang="en-US" smtClean="0"/>
+              <a:t>‹#›</a:t>
+            </a:fld>
+            <a:endParaRPr lang="en-US"/>
+          </a:p>
+        </p:txBody>
+      </p:sp>
+    </p:spTree>
+    <p:extLst>
+      <p:ext uri="{BB962C8B-B14F-4D97-AF65-F5344CB8AC3E}">
+        <p14:creationId xmlns:p14="http://schemas.microsoft.com/office/powerpoint/2010/main" val="243165221"/>
+      </p:ext>
+    </p:extLst>
+  </p:cSld>
+  <p:clrMap bg1="lt1" tx1="dk1" bg2="lt2" tx2="dk2" accent1="accent1" accent2="accent2" accent3="accent3" accent4="accent4" accent5="accent5" accent6="accent6" hlink="hlink" folHlink="folHlink"/>
+  <p:notesStyle>
+    <a:lvl1pPr marL="0" algn="l" defTabSz="914400" rtl="0" eaLnBrk="1" latinLnBrk="0" hangingPunct="1">
+      <a:defRPr sz="1200" kern="1200">
+        <a:solidFill>
+          <a:schemeClr val="tx1"/>
+        </a:solidFill>
+        <a:latin typeface="+mn-lt"/>
+        <a:ea typeface="+mn-ea"/>
+        <a:cs typeface="+mn-cs"/>
+      </a:defRPr>
+    </a:lvl1pPr>
+    <a:lvl2pPr marL="457200" algn="l" defTabSz="914400" rtl="0" eaLnBrk="1" latinLnBrk="0" hangingPunct="1">
+      <a:defRPr sz="1200" kern="1200">
+        <a:solidFill>
+          <a:schemeClr val="tx1"/>
+        </a:solidFill>
+        <a:latin typeface="+mn-lt"/>
+        <a:ea typeface="+mn-ea"/>
+        <a:cs typeface="+mn-cs"/>
+      </a:defRPr>
+    </a:lvl2pPr>
+    <a:lvl3pPr marL="914400" algn="l" defTabSz="914400" rtl="0" eaLnBrk="1" latinLnBrk="0" hangingPunct="1">
+      <a:defRPr sz="1200" kern="1200">
+        <a:solidFill>
+          <a:schemeClr val="tx1"/>
+        </a:solidFill>
+        <a:latin typeface="+mn-lt"/>
+        <a:ea typeface="+mn-ea"/>
+        <a:cs typeface="+mn-cs"/>
+      </a:defRPr>
+    </a:lvl3pPr>
+    <a:lvl4pPr marL="1371600" algn="l" defTabSz="914400" rtl="0" eaLnBrk="1" latinLnBrk="0" hangingPunct="1">
+      <a:defRPr sz="1200" kern="1200">
+        <a:solidFill>
+          <a:schemeClr val="tx1"/>
+        </a:solidFill>
+        <a:latin typeface="+mn-lt"/>
+        <a:ea typeface="+mn-ea"/>
+        <a:cs typeface="+mn-cs"/>
+      </a:defRPr>
+    </a:lvl4pPr>
+    <a:lvl5pPr marL="1828800" algn="l" defTabSz="914400" rtl="0" eaLnBrk="1" latinLnBrk="0" hangingPunct="1">
+      <a:defRPr sz="1200" kern="1200">
+        <a:solidFill>
+          <a:schemeClr val="tx1"/>
+        </a:solidFill>
+        <a:latin typeface="+mn-lt"/>
+        <a:ea typeface="+mn-ea"/>
+        <a:cs typeface="+mn-cs"/>
+      </a:defRPr>
+    </a:lvl5pPr>
+    <a:lvl6pPr marL="2286000" algn="l" defTabSz="914400" rtl="0" eaLnBrk="1" latinLnBrk="0" hangingPunct="1">
+      <a:defRPr sz="1200" kern="1200">
+        <a:solidFill>
+          <a:schemeClr val="tx1"/>
+        </a:solidFill>
+        <a:latin typeface="+mn-lt"/>
+        <a:ea typeface="+mn-ea"/>
+        <a:cs typeface="+mn-cs"/>
+      </a:defRPr>
+    </a:lvl6pPr>
+    <a:lvl7pPr marL="2743200" algn="l" defTabSz="914400" rtl="0" eaLnBrk="1" latinLnBrk="0" hangingPunct="1">
+      <a:defRPr sz="1200" kern="1200">
+        <a:solidFill>
+          <a:schemeClr val="tx1"/>
+        </a:solidFill>
+        <a:latin typeface="+mn-lt"/>
+        <a:ea typeface="+mn-ea"/>
+        <a:cs typeface="+mn-cs"/>
+      </a:defRPr>
+    </a:lvl7pPr>
+    <a:lvl8pPr marL="3200400" algn="l" defTabSz="914400" rtl="0" eaLnBrk="1" latinLnBrk="0" hangingPunct="1">
+      <a:defRPr sz="1200" kern="1200">
+        <a:solidFill>
+          <a:schemeClr val="tx1"/>
+        </a:solidFill>
+        <a:latin typeface="+mn-lt"/>
+        <a:ea typeface="+mn-ea"/>
+        <a:cs typeface="+mn-cs"/>
+      </a:defRPr>
+    </a:lvl8pPr>
+    <a:lvl9pPr marL="3657600" algn="l" defTabSz="914400" rtl="0" eaLnBrk="1" latinLnBrk="0" hangingPunct="1">
+      <a:defRPr sz="1200" kern="1200">
+        <a:solidFill>
+          <a:schemeClr val="tx1"/>
+        </a:solidFill>
+        <a:latin typeface="+mn-lt"/>
+        <a:ea typeface="+mn-ea"/>
+        <a:cs typeface="+mn-cs"/>
+      </a:defRPr>
+    </a:lvl9pPr>
+  </p:notesStyle>
+</p:notesMaster>
+</file>
+
 <file path=ppt/slideLayouts/slideLayout1.xml><?xml version="1.0" encoding="utf-8"?>
 <p:sldLayout xmlns:a="http://schemas.openxmlformats.org/drawingml/2006/main" xmlns:r="http://schemas.openxmlformats.org/officeDocument/2006/relationships" xmlns:p="http://schemas.openxmlformats.org/presentationml/2006/main" type="title" preserve="1">
   <p:cSld name="Title Slide">
@@ -261,9 +614,9 @@
           <a:bodyPr/>
           <a:lstStyle/>
           <a:p>
-            <a:fld id="{6064FB18-0DF2-460D-9DF7-12C1D0641BC6}" type="datetimeFigureOut">
+            <a:fld id="{1AABABF0-11AB-4A54-9A5E-483C60FB0E61}" type="datetime1">
               <a:rPr lang="en-US" smtClean="0"/>
-              <a:t>8/15/2020</a:t>
+              <a:t>8/17/2020</a:t>
             </a:fld>
             <a:endParaRPr lang="en-US"/>
           </a:p>
@@ -459,9 +812,9 @@
           <a:bodyPr/>
           <a:lstStyle/>
           <a:p>
-            <a:fld id="{6064FB18-0DF2-460D-9DF7-12C1D0641BC6}" type="datetimeFigureOut">
+            <a:fld id="{1D22D65B-2899-40F6-91E1-34157F2A6A20}" type="datetime1">
               <a:rPr lang="en-US" smtClean="0"/>
-              <a:t>8/15/2020</a:t>
+              <a:t>8/17/2020</a:t>
             </a:fld>
             <a:endParaRPr lang="en-US"/>
           </a:p>
@@ -667,9 +1020,9 @@
           <a:bodyPr/>
           <a:lstStyle/>
           <a:p>
-            <a:fld id="{6064FB18-0DF2-460D-9DF7-12C1D0641BC6}" type="datetimeFigureOut">
+            <a:fld id="{F8DE0437-51CB-49A7-AD13-B024788E6E3F}" type="datetime1">
               <a:rPr lang="en-US" smtClean="0"/>
-              <a:t>8/15/2020</a:t>
+              <a:t>8/17/2020</a:t>
             </a:fld>
             <a:endParaRPr lang="en-US"/>
           </a:p>
@@ -865,9 +1218,9 @@
           <a:bodyPr/>
           <a:lstStyle/>
           <a:p>
-            <a:fld id="{6064FB18-0DF2-460D-9DF7-12C1D0641BC6}" type="datetimeFigureOut">
+            <a:fld id="{96D480A8-836E-4D34-9EB0-80DE504E9CE0}" type="datetime1">
               <a:rPr lang="en-US" smtClean="0"/>
-              <a:t>8/15/2020</a:t>
+              <a:t>8/17/2020</a:t>
             </a:fld>
             <a:endParaRPr lang="en-US"/>
           </a:p>
@@ -1140,9 +1493,9 @@
           <a:bodyPr/>
           <a:lstStyle/>
           <a:p>
-            <a:fld id="{6064FB18-0DF2-460D-9DF7-12C1D0641BC6}" type="datetimeFigureOut">
+            <a:fld id="{C2CA06F3-F6A8-4B1F-9EBC-E43F105663B2}" type="datetime1">
               <a:rPr lang="en-US" smtClean="0"/>
-              <a:t>8/15/2020</a:t>
+              <a:t>8/17/2020</a:t>
             </a:fld>
             <a:endParaRPr lang="en-US"/>
           </a:p>
@@ -1405,9 +1758,9 @@
           <a:bodyPr/>
           <a:lstStyle/>
           <a:p>
-            <a:fld id="{6064FB18-0DF2-460D-9DF7-12C1D0641BC6}" type="datetimeFigureOut">
+            <a:fld id="{11B7DAD4-E16D-43EE-B0C0-054A607D39A6}" type="datetime1">
               <a:rPr lang="en-US" smtClean="0"/>
-              <a:t>8/15/2020</a:t>
+              <a:t>8/17/2020</a:t>
             </a:fld>
             <a:endParaRPr lang="en-US"/>
           </a:p>
@@ -1817,9 +2170,9 @@
           <a:bodyPr/>
           <a:lstStyle/>
           <a:p>
-            <a:fld id="{6064FB18-0DF2-460D-9DF7-12C1D0641BC6}" type="datetimeFigureOut">
+            <a:fld id="{FA2DE11F-FEFB-4DF5-BBD8-A4DFB1D058EF}" type="datetime1">
               <a:rPr lang="en-US" smtClean="0"/>
-              <a:t>8/15/2020</a:t>
+              <a:t>8/17/2020</a:t>
             </a:fld>
             <a:endParaRPr lang="en-US"/>
           </a:p>
@@ -1958,9 +2311,9 @@
           <a:bodyPr/>
           <a:lstStyle/>
           <a:p>
-            <a:fld id="{6064FB18-0DF2-460D-9DF7-12C1D0641BC6}" type="datetimeFigureOut">
+            <a:fld id="{480B0BF2-1173-4FF6-BAC7-01225D6DBEE4}" type="datetime1">
               <a:rPr lang="en-US" smtClean="0"/>
-              <a:t>8/15/2020</a:t>
+              <a:t>8/17/2020</a:t>
             </a:fld>
             <a:endParaRPr lang="en-US"/>
           </a:p>
@@ -2071,9 +2424,9 @@
           <a:bodyPr/>
           <a:lstStyle/>
           <a:p>
-            <a:fld id="{6064FB18-0DF2-460D-9DF7-12C1D0641BC6}" type="datetimeFigureOut">
+            <a:fld id="{A9A3D168-DFC3-4F1B-A20D-504C55E4AD7C}" type="datetime1">
               <a:rPr lang="en-US" smtClean="0"/>
-              <a:t>8/15/2020</a:t>
+              <a:t>8/17/2020</a:t>
             </a:fld>
             <a:endParaRPr lang="en-US"/>
           </a:p>
@@ -2382,9 +2735,9 @@
           <a:bodyPr/>
           <a:lstStyle/>
           <a:p>
-            <a:fld id="{6064FB18-0DF2-460D-9DF7-12C1D0641BC6}" type="datetimeFigureOut">
+            <a:fld id="{0A9B0A0A-18D1-4062-8E83-843C535C9595}" type="datetime1">
               <a:rPr lang="en-US" smtClean="0"/>
-              <a:t>8/15/2020</a:t>
+              <a:t>8/17/2020</a:t>
             </a:fld>
             <a:endParaRPr lang="en-US"/>
           </a:p>
@@ -2670,9 +3023,9 @@
           <a:bodyPr/>
           <a:lstStyle/>
           <a:p>
-            <a:fld id="{6064FB18-0DF2-460D-9DF7-12C1D0641BC6}" type="datetimeFigureOut">
+            <a:fld id="{AFB3CDF6-1250-4182-90AF-D2EAF6A24C70}" type="datetime1">
               <a:rPr lang="en-US" smtClean="0"/>
-              <a:t>8/15/2020</a:t>
+              <a:t>8/17/2020</a:t>
             </a:fld>
             <a:endParaRPr lang="en-US"/>
           </a:p>
@@ -2911,9 +3264,9 @@
             </a:lvl1pPr>
           </a:lstStyle>
           <a:p>
-            <a:fld id="{6064FB18-0DF2-460D-9DF7-12C1D0641BC6}" type="datetimeFigureOut">
+            <a:fld id="{5193C473-2EF8-4296-B941-79ACEDBF1A73}" type="datetime1">
               <a:rPr lang="en-US" smtClean="0"/>
-              <a:t>8/15/2020</a:t>
+              <a:t>8/17/2020</a:t>
             </a:fld>
             <a:endParaRPr lang="en-US"/>
           </a:p>
@@ -3030,6 +3383,7 @@
     <p:sldLayoutId id="2147483658" r:id="rId10"/>
     <p:sldLayoutId id="2147483659" r:id="rId11"/>
   </p:sldLayoutIdLst>
+  <p:hf sldNum="0" hdr="0" dt="0"/>
   <p:txStyles>
     <p:titleStyle>
       <a:lvl1pPr algn="l" defTabSz="914400" rtl="0" eaLnBrk="1" latinLnBrk="0" hangingPunct="1">
@@ -3348,7 +3702,7 @@
         </p:nvSpPr>
         <p:spPr>
           <a:xfrm>
-            <a:off x="4414029" y="2092422"/>
+            <a:off x="4493542" y="2092422"/>
             <a:ext cx="3204916" cy="2387600"/>
           </a:xfrm>
         </p:spPr>
@@ -3403,7 +3757,7 @@
         </p:blipFill>
         <p:spPr bwMode="auto">
           <a:xfrm>
-            <a:off x="5063987" y="1524000"/>
+            <a:off x="5143500" y="1524000"/>
             <a:ext cx="1905000" cy="1905000"/>
           </a:xfrm>
           <a:prstGeom prst="rect">
@@ -3461,6 +3815,31 @@
               </a:rPr>
               <a:t>A QUERY LANGUAGE FOR YOUR API</a:t>
             </a:r>
+          </a:p>
+        </p:txBody>
+      </p:sp>
+      <p:sp>
+        <p:nvSpPr>
+          <p:cNvPr id="3" name="Footer Placeholder 2">
+            <a:extLst>
+              <a:ext uri="{FF2B5EF4-FFF2-40B4-BE49-F238E27FC236}">
+                <a16:creationId xmlns:a16="http://schemas.microsoft.com/office/drawing/2014/main" id="{FEB8188C-652F-499E-A0EC-6D2B16CCF031}"/>
+              </a:ext>
+            </a:extLst>
+          </p:cNvPr>
+          <p:cNvSpPr>
+            <a:spLocks noGrp="1"/>
+          </p:cNvSpPr>
+          <p:nvPr>
+            <p:ph type="ftr" sz="quarter" idx="11"/>
+          </p:nvPr>
+        </p:nvSpPr>
+        <p:spPr/>
+        <p:txBody>
+          <a:bodyPr/>
+          <a:lstStyle/>
+          <a:p>
+            <a:endParaRPr lang="en-US"/>
           </a:p>
         </p:txBody>
       </p:sp>
@@ -3529,6 +3908,33 @@
                                   </p:childTnLst>
                                 </p:cTn>
                               </p:par>
+                              <p:par>
+                                <p:cTn id="8" presetID="8" presetClass="emph" presetSubtype="0" repeatCount="indefinite" fill="hold" nodeType="withEffect">
+                                  <p:stCondLst>
+                                    <p:cond delay="0"/>
+                                  </p:stCondLst>
+                                  <p:endCondLst>
+                                    <p:cond evt="onNext" delay="0">
+                                      <p:tgtEl>
+                                        <p:sldTgt/>
+                                      </p:tgtEl>
+                                    </p:cond>
+                                  </p:endCondLst>
+                                  <p:childTnLst>
+                                    <p:animRot by="21600000">
+                                      <p:cBhvr>
+                                        <p:cTn id="9" dur="20000" fill="hold"/>
+                                        <p:tgtEl>
+                                          <p:spTgt spid="1026"/>
+                                        </p:tgtEl>
+                                        <p:attrNameLst>
+                                          <p:attrName>r</p:attrName>
+                                        </p:attrNameLst>
+                                      </p:cBhvr>
+                                    </p:animRot>
+                                  </p:childTnLst>
+                                </p:cTn>
+                              </p:par>
                             </p:childTnLst>
                           </p:cTn>
                         </p:par>
@@ -3897,6 +4303,34 @@
           <a:p>
             <a:pPr algn="ctr"/>
             <a:endParaRPr lang="en-US"/>
+          </a:p>
+        </p:txBody>
+      </p:sp>
+      <p:sp>
+        <p:nvSpPr>
+          <p:cNvPr id="2" name="Footer Placeholder 1">
+            <a:extLst>
+              <a:ext uri="{FF2B5EF4-FFF2-40B4-BE49-F238E27FC236}">
+                <a16:creationId xmlns:a16="http://schemas.microsoft.com/office/drawing/2014/main" id="{D2347118-FAC0-4D8C-9709-155FDA98CC1D}"/>
+              </a:ext>
+            </a:extLst>
+          </p:cNvPr>
+          <p:cNvSpPr>
+            <a:spLocks noGrp="1"/>
+          </p:cNvSpPr>
+          <p:nvPr>
+            <p:ph type="ftr" sz="quarter" idx="11"/>
+          </p:nvPr>
+        </p:nvSpPr>
+        <p:spPr/>
+        <p:txBody>
+          <a:bodyPr/>
+          <a:lstStyle/>
+          <a:p>
+            <a:r>
+              <a:rPr lang="en-US" dirty="0"/>
+              <a:t>2</a:t>
+            </a:r>
           </a:p>
         </p:txBody>
       </p:sp>
@@ -3956,7 +4390,7 @@
                                     </p:set>
                                     <p:animEffect transition="in" filter="wheel(1)">
                                       <p:cBhvr>
-                                        <p:cTn id="7" dur="2000"/>
+                                        <p:cTn id="7" dur="1000"/>
                                         <p:tgtEl>
                                           <p:spTgt spid="10"/>
                                         </p:tgtEl>
@@ -4009,7 +4443,7 @@
                                     </p:set>
                                     <p:animEffect transition="in" filter="wheel(1)">
                                       <p:cBhvr>
-                                        <p:cTn id="12" dur="2000"/>
+                                        <p:cTn id="12" dur="1000"/>
                                         <p:tgtEl>
                                           <p:spTgt spid="12"/>
                                         </p:tgtEl>
@@ -4062,7 +4496,7 @@
                                     </p:set>
                                     <p:animEffect transition="in" filter="wheel(1)">
                                       <p:cBhvr>
-                                        <p:cTn id="17" dur="2000"/>
+                                        <p:cTn id="17" dur="1000"/>
                                         <p:tgtEl>
                                           <p:spTgt spid="14"/>
                                         </p:tgtEl>
@@ -4286,6 +4720,34 @@
           </a:extLst>
         </p:spPr>
       </p:pic>
+      <p:sp>
+        <p:nvSpPr>
+          <p:cNvPr id="2" name="Footer Placeholder 1">
+            <a:extLst>
+              <a:ext uri="{FF2B5EF4-FFF2-40B4-BE49-F238E27FC236}">
+                <a16:creationId xmlns:a16="http://schemas.microsoft.com/office/drawing/2014/main" id="{DD0E3D93-DC3D-4DF2-927F-7890B7053C63}"/>
+              </a:ext>
+            </a:extLst>
+          </p:cNvPr>
+          <p:cNvSpPr>
+            <a:spLocks noGrp="1"/>
+          </p:cNvSpPr>
+          <p:nvPr>
+            <p:ph type="ftr" sz="quarter" idx="11"/>
+          </p:nvPr>
+        </p:nvSpPr>
+        <p:spPr/>
+        <p:txBody>
+          <a:bodyPr/>
+          <a:lstStyle/>
+          <a:p>
+            <a:r>
+              <a:rPr lang="en-US" dirty="0"/>
+              <a:t>3</a:t>
+            </a:r>
+          </a:p>
+        </p:txBody>
+      </p:sp>
     </p:spTree>
     <p:extLst>
       <p:ext uri="{BB962C8B-B14F-4D97-AF65-F5344CB8AC3E}">
@@ -4497,6 +4959,78 @@
           </a:extLst>
         </p:spPr>
       </p:pic>
+      <p:cxnSp>
+        <p:nvCxnSpPr>
+          <p:cNvPr id="3" name="Straight Connector 2">
+            <a:extLst>
+              <a:ext uri="{FF2B5EF4-FFF2-40B4-BE49-F238E27FC236}">
+                <a16:creationId xmlns:a16="http://schemas.microsoft.com/office/drawing/2014/main" id="{C9A31091-D600-4AC8-AEFE-D2A4222C825B}"/>
+              </a:ext>
+            </a:extLst>
+          </p:cNvPr>
+          <p:cNvCxnSpPr/>
+          <p:nvPr/>
+        </p:nvCxnSpPr>
+        <p:spPr>
+          <a:xfrm>
+            <a:off x="6791894" y="4683318"/>
+            <a:ext cx="244789" cy="0"/>
+          </a:xfrm>
+          <a:prstGeom prst="line">
+            <a:avLst/>
+          </a:prstGeom>
+          <a:ln w="38100">
+            <a:solidFill>
+              <a:schemeClr val="tx1">
+                <a:lumMod val="85000"/>
+                <a:lumOff val="15000"/>
+              </a:schemeClr>
+            </a:solidFill>
+          </a:ln>
+        </p:spPr>
+        <p:style>
+          <a:lnRef idx="1">
+            <a:schemeClr val="accent1"/>
+          </a:lnRef>
+          <a:fillRef idx="0">
+            <a:schemeClr val="accent1"/>
+          </a:fillRef>
+          <a:effectRef idx="0">
+            <a:schemeClr val="accent1"/>
+          </a:effectRef>
+          <a:fontRef idx="minor">
+            <a:schemeClr val="tx1"/>
+          </a:fontRef>
+        </p:style>
+      </p:cxnSp>
+      <p:sp>
+        <p:nvSpPr>
+          <p:cNvPr id="4" name="Footer Placeholder 3">
+            <a:extLst>
+              <a:ext uri="{FF2B5EF4-FFF2-40B4-BE49-F238E27FC236}">
+                <a16:creationId xmlns:a16="http://schemas.microsoft.com/office/drawing/2014/main" id="{ABA224CB-B398-419A-930E-444035149F8C}"/>
+              </a:ext>
+            </a:extLst>
+          </p:cNvPr>
+          <p:cNvSpPr>
+            <a:spLocks noGrp="1"/>
+          </p:cNvSpPr>
+          <p:nvPr>
+            <p:ph type="ftr" sz="quarter" idx="11"/>
+          </p:nvPr>
+        </p:nvSpPr>
+        <p:spPr/>
+        <p:txBody>
+          <a:bodyPr/>
+          <a:lstStyle/>
+          <a:p>
+            <a:r>
+              <a:rPr lang="en-US" dirty="0"/>
+              <a:t>4</a:t>
+            </a:r>
+          </a:p>
+        </p:txBody>
+      </p:sp>
     </p:spTree>
     <p:extLst>
       <p:ext uri="{BB962C8B-B14F-4D97-AF65-F5344CB8AC3E}">
@@ -4507,6 +5041,96 @@
   <p:clrMapOvr>
     <a:masterClrMapping/>
   </p:clrMapOvr>
+  <p:timing>
+    <p:tnLst>
+      <p:par>
+        <p:cTn id="1" dur="indefinite" restart="never" nodeType="tmRoot">
+          <p:childTnLst>
+            <p:seq concurrent="1" nextAc="seek">
+              <p:cTn id="2" dur="indefinite" nodeType="mainSeq">
+                <p:childTnLst>
+                  <p:par>
+                    <p:cTn id="3" fill="hold">
+                      <p:stCondLst>
+                        <p:cond delay="indefinite"/>
+                        <p:cond evt="onBegin" delay="0">
+                          <p:tn val="2"/>
+                        </p:cond>
+                      </p:stCondLst>
+                      <p:childTnLst>
+                        <p:par>
+                          <p:cTn id="4" fill="hold">
+                            <p:stCondLst>
+                              <p:cond delay="0"/>
+                            </p:stCondLst>
+                            <p:childTnLst>
+                              <p:par>
+                                <p:cTn id="5" presetID="35" presetClass="emph" presetSubtype="0" repeatCount="indefinite" fill="hold" nodeType="withEffect">
+                                  <p:stCondLst>
+                                    <p:cond delay="0"/>
+                                  </p:stCondLst>
+                                  <p:endCondLst>
+                                    <p:cond evt="onNext" delay="0">
+                                      <p:tgtEl>
+                                        <p:sldTgt/>
+                                      </p:tgtEl>
+                                    </p:cond>
+                                  </p:endCondLst>
+                                  <p:childTnLst>
+                                    <p:anim calcmode="discrete" valueType="str">
+                                      <p:cBhvr>
+                                        <p:cTn id="6" dur="1000" fill="hold"/>
+                                        <p:tgtEl>
+                                          <p:spTgt spid="3"/>
+                                        </p:tgtEl>
+                                        <p:attrNameLst>
+                                          <p:attrName>style.visibility</p:attrName>
+                                        </p:attrNameLst>
+                                      </p:cBhvr>
+                                      <p:tavLst>
+                                        <p:tav tm="0">
+                                          <p:val>
+                                            <p:strVal val="hidden"/>
+                                          </p:val>
+                                        </p:tav>
+                                        <p:tav tm="50000">
+                                          <p:val>
+                                            <p:strVal val="visible"/>
+                                          </p:val>
+                                        </p:tav>
+                                      </p:tavLst>
+                                    </p:anim>
+                                  </p:childTnLst>
+                                </p:cTn>
+                              </p:par>
+                            </p:childTnLst>
+                          </p:cTn>
+                        </p:par>
+                      </p:childTnLst>
+                    </p:cTn>
+                  </p:par>
+                </p:childTnLst>
+              </p:cTn>
+              <p:prevCondLst>
+                <p:cond evt="onPrev" delay="0">
+                  <p:tgtEl>
+                    <p:sldTgt/>
+                  </p:tgtEl>
+                </p:cond>
+              </p:prevCondLst>
+              <p:nextCondLst>
+                <p:cond evt="onNext" delay="0">
+                  <p:tgtEl>
+                    <p:sldTgt/>
+                  </p:tgtEl>
+                </p:cond>
+              </p:nextCondLst>
+            </p:seq>
+          </p:childTnLst>
+        </p:cTn>
+      </p:par>
+    </p:tnLst>
+  </p:timing>
 </p:sld>
 </file>
 
@@ -4673,7 +5297,7 @@
         </p:nvSpPr>
         <p:spPr>
           <a:xfrm>
-            <a:off x="3156668" y="2472855"/>
+            <a:off x="3753018" y="2357719"/>
             <a:ext cx="4685963" cy="2585323"/>
           </a:xfrm>
           <a:prstGeom prst="rect">
@@ -4719,7 +5343,7 @@
             </a:br>
             <a:r>
               <a:rPr lang="en-US" sz="1800" dirty="0"/>
-              <a:t>Better validations</a:t>
+              <a:t>Better validations and misspell correction</a:t>
             </a:r>
             <a:br>
               <a:rPr lang="en-US" sz="1800" dirty="0"/>
@@ -4735,10 +5359,384 @@
           </a:p>
         </p:txBody>
       </p:sp>
+      <p:sp>
+        <p:nvSpPr>
+          <p:cNvPr id="3" name="Footer Placeholder 2">
+            <a:extLst>
+              <a:ext uri="{FF2B5EF4-FFF2-40B4-BE49-F238E27FC236}">
+                <a16:creationId xmlns:a16="http://schemas.microsoft.com/office/drawing/2014/main" id="{F7D3046C-2A44-4959-9BF0-0582E87E42AB}"/>
+              </a:ext>
+            </a:extLst>
+          </p:cNvPr>
+          <p:cNvSpPr>
+            <a:spLocks noGrp="1"/>
+          </p:cNvSpPr>
+          <p:nvPr>
+            <p:ph type="ftr" sz="quarter" idx="11"/>
+          </p:nvPr>
+        </p:nvSpPr>
+        <p:spPr/>
+        <p:txBody>
+          <a:bodyPr/>
+          <a:lstStyle/>
+          <a:p>
+            <a:r>
+              <a:rPr lang="en-US" dirty="0"/>
+              <a:t>5</a:t>
+            </a:r>
+          </a:p>
+        </p:txBody>
+      </p:sp>
+      <p:sp>
+        <p:nvSpPr>
+          <p:cNvPr id="5" name="TextBox 4">
+            <a:extLst>
+              <a:ext uri="{FF2B5EF4-FFF2-40B4-BE49-F238E27FC236}">
+                <a16:creationId xmlns:a16="http://schemas.microsoft.com/office/drawing/2014/main" id="{82F7D511-1AFB-4D29-8BB0-83912C27AD40}"/>
+              </a:ext>
+            </a:extLst>
+          </p:cNvPr>
+          <p:cNvSpPr txBox="1"/>
+          <p:nvPr/>
+        </p:nvSpPr>
+        <p:spPr>
+          <a:xfrm>
+            <a:off x="441405" y="1159477"/>
+            <a:ext cx="1983492" cy="369332"/>
+          </a:xfrm>
+          <a:prstGeom prst="rect">
+            <a:avLst/>
+          </a:prstGeom>
+          <a:noFill/>
+        </p:spPr>
+        <p:txBody>
+          <a:bodyPr wrap="none" rtlCol="0">
+            <a:spAutoFit/>
+          </a:bodyPr>
+          <a:lstStyle/>
+          <a:p>
+            <a:r>
+              <a:rPr lang="en-US" b="1" dirty="0"/>
+              <a:t>Welcome back! 👍</a:t>
+            </a:r>
+          </a:p>
+        </p:txBody>
+      </p:sp>
     </p:spTree>
     <p:extLst>
       <p:ext uri="{BB962C8B-B14F-4D97-AF65-F5344CB8AC3E}">
         <p14:creationId xmlns:p14="http://schemas.microsoft.com/office/powerpoint/2010/main" val="448072350"/>
+      </p:ext>
+    </p:extLst>
+  </p:cSld>
+  <p:clrMapOvr>
+    <a:masterClrMapping/>
+  </p:clrMapOvr>
+  <p:timing>
+    <p:tnLst>
+      <p:par>
+        <p:cTn id="1" dur="indefinite" restart="never" nodeType="tmRoot">
+          <p:childTnLst>
+            <p:seq concurrent="1" nextAc="seek">
+              <p:cTn id="2" dur="indefinite" nodeType="mainSeq">
+                <p:childTnLst>
+                  <p:par>
+                    <p:cTn id="3" fill="hold">
+                      <p:stCondLst>
+                        <p:cond delay="indefinite"/>
+                      </p:stCondLst>
+                      <p:childTnLst>
+                        <p:par>
+                          <p:cTn id="4" fill="hold">
+                            <p:stCondLst>
+                              <p:cond delay="0"/>
+                            </p:stCondLst>
+                            <p:childTnLst>
+                              <p:par>
+                                <p:cTn id="5" presetID="22" presetClass="entr" presetSubtype="1" fill="hold" grpId="0" nodeType="clickEffect">
+                                  <p:stCondLst>
+                                    <p:cond delay="0"/>
+                                  </p:stCondLst>
+                                  <p:childTnLst>
+                                    <p:set>
+                                      <p:cBhvr>
+                                        <p:cTn id="6" dur="1" fill="hold">
+                                          <p:stCondLst>
+                                            <p:cond delay="0"/>
+                                          </p:stCondLst>
+                                        </p:cTn>
+                                        <p:tgtEl>
+                                          <p:spTgt spid="4"/>
+                                        </p:tgtEl>
+                                        <p:attrNameLst>
+                                          <p:attrName>style.visibility</p:attrName>
+                                        </p:attrNameLst>
+                                      </p:cBhvr>
+                                      <p:to>
+                                        <p:strVal val="visible"/>
+                                      </p:to>
+                                    </p:set>
+                                    <p:animEffect transition="in" filter="wipe(up)">
+                                      <p:cBhvr>
+                                        <p:cTn id="7" dur="500"/>
+                                        <p:tgtEl>
+                                          <p:spTgt spid="4"/>
+                                        </p:tgtEl>
+                                      </p:cBhvr>
+                                    </p:animEffect>
+                                  </p:childTnLst>
+                                </p:cTn>
+                              </p:par>
+                            </p:childTnLst>
+                          </p:cTn>
+                        </p:par>
+                      </p:childTnLst>
+                    </p:cTn>
+                  </p:par>
+                </p:childTnLst>
+              </p:cTn>
+              <p:prevCondLst>
+                <p:cond evt="onPrev" delay="0">
+                  <p:tgtEl>
+                    <p:sldTgt/>
+                  </p:tgtEl>
+                </p:cond>
+              </p:prevCondLst>
+              <p:nextCondLst>
+                <p:cond evt="onNext" delay="0">
+                  <p:tgtEl>
+                    <p:sldTgt/>
+                  </p:tgtEl>
+                </p:cond>
+              </p:nextCondLst>
+            </p:seq>
+          </p:childTnLst>
+        </p:cTn>
+      </p:par>
+    </p:tnLst>
+    <p:bldLst>
+      <p:bldP spid="4" grpId="0"/>
+    </p:bldLst>
+  </p:timing>
+</p:sld>
+</file>
+
+<file path=ppt/slides/slide6.xml><?xml version="1.0" encoding="utf-8"?>
+<p:sld xmlns:a="http://schemas.openxmlformats.org/drawingml/2006/main" xmlns:r="http://schemas.openxmlformats.org/officeDocument/2006/relationships" xmlns:p="http://schemas.openxmlformats.org/presentationml/2006/main">
+  <p:cSld>
+    <p:spTree>
+      <p:nvGrpSpPr>
+        <p:cNvPr id="1" name=""/>
+        <p:cNvGrpSpPr/>
+        <p:nvPr/>
+      </p:nvGrpSpPr>
+      <p:grpSpPr>
+        <a:xfrm>
+          <a:off x="0" y="0"/>
+          <a:ext cx="0" cy="0"/>
+          <a:chOff x="0" y="0"/>
+          <a:chExt cx="0" cy="0"/>
+        </a:xfrm>
+      </p:grpSpPr>
+      <p:sp>
+        <p:nvSpPr>
+          <p:cNvPr id="7" name="Rectangle: Rounded Corners 6">
+            <a:extLst>
+              <a:ext uri="{FF2B5EF4-FFF2-40B4-BE49-F238E27FC236}">
+                <a16:creationId xmlns:a16="http://schemas.microsoft.com/office/drawing/2014/main" id="{2694513F-2B13-4021-B1FD-A6E2E38AA920}"/>
+              </a:ext>
+            </a:extLst>
+          </p:cNvPr>
+          <p:cNvSpPr/>
+          <p:nvPr/>
+        </p:nvSpPr>
+        <p:spPr>
+          <a:xfrm>
+            <a:off x="0" y="357810"/>
+            <a:ext cx="12192000" cy="551810"/>
+          </a:xfrm>
+          <a:prstGeom prst="roundRect">
+            <a:avLst>
+              <a:gd name="adj" fmla="val 2257"/>
+            </a:avLst>
+          </a:prstGeom>
+          <a:gradFill flip="none" rotWithShape="1">
+            <a:gsLst>
+              <a:gs pos="0">
+                <a:srgbClr val="E535AB">
+                  <a:tint val="66000"/>
+                  <a:satMod val="160000"/>
+                </a:srgbClr>
+              </a:gs>
+              <a:gs pos="50000">
+                <a:srgbClr val="E535AB">
+                  <a:tint val="44500"/>
+                  <a:satMod val="160000"/>
+                </a:srgbClr>
+              </a:gs>
+              <a:gs pos="100000">
+                <a:srgbClr val="E535AB">
+                  <a:tint val="23500"/>
+                  <a:satMod val="160000"/>
+                </a:srgbClr>
+              </a:gs>
+            </a:gsLst>
+            <a:lin ang="10800000" scaled="1"/>
+            <a:tileRect/>
+          </a:gradFill>
+          <a:ln>
+            <a:noFill/>
+          </a:ln>
+        </p:spPr>
+        <p:style>
+          <a:lnRef idx="2">
+            <a:schemeClr val="accent1">
+              <a:shade val="50000"/>
+            </a:schemeClr>
+          </a:lnRef>
+          <a:fillRef idx="1">
+            <a:schemeClr val="accent1"/>
+          </a:fillRef>
+          <a:effectRef idx="0">
+            <a:schemeClr val="accent1"/>
+          </a:effectRef>
+          <a:fontRef idx="minor">
+            <a:schemeClr val="lt1"/>
+          </a:fontRef>
+        </p:style>
+        <p:txBody>
+          <a:bodyPr rtlCol="0" anchor="ctr"/>
+          <a:lstStyle/>
+          <a:p>
+            <a:pPr algn="ctr"/>
+            <a:endParaRPr lang="en-US"/>
+          </a:p>
+        </p:txBody>
+      </p:sp>
+      <p:pic>
+        <p:nvPicPr>
+          <p:cNvPr id="9" name="Picture 2" descr="upload.wikimedia.org/wikipedia/commons/1/17/Gra...">
+            <a:extLst>
+              <a:ext uri="{FF2B5EF4-FFF2-40B4-BE49-F238E27FC236}">
+                <a16:creationId xmlns:a16="http://schemas.microsoft.com/office/drawing/2014/main" id="{82C5518F-3248-44DB-97D8-4A7E39F58431}"/>
+              </a:ext>
+            </a:extLst>
+          </p:cNvPr>
+          <p:cNvPicPr>
+            <a:picLocks noChangeAspect="1" noChangeArrowheads="1"/>
+          </p:cNvPicPr>
+          <p:nvPr/>
+        </p:nvPicPr>
+        <p:blipFill>
+          <a:blip r:embed="rId2">
+            <a:clrChange>
+              <a:clrFrom>
+                <a:srgbClr val="FFFFFF"/>
+              </a:clrFrom>
+              <a:clrTo>
+                <a:srgbClr val="FFFFFF">
+                  <a:alpha val="0"/>
+                </a:srgbClr>
+              </a:clrTo>
+            </a:clrChange>
+            <a:extLst>
+              <a:ext uri="{28A0092B-C50C-407E-A947-70E740481C1C}">
+                <a14:useLocalDpi xmlns:a14="http://schemas.microsoft.com/office/drawing/2010/main" val="0"/>
+              </a:ext>
+            </a:extLst>
+          </a:blip>
+          <a:srcRect/>
+          <a:stretch>
+            <a:fillRect/>
+          </a:stretch>
+        </p:blipFill>
+        <p:spPr bwMode="auto">
+          <a:xfrm>
+            <a:off x="514622" y="424507"/>
+            <a:ext cx="414583" cy="414583"/>
+          </a:xfrm>
+          <a:prstGeom prst="rect">
+            <a:avLst/>
+          </a:prstGeom>
+          <a:noFill/>
+          <a:extLst>
+            <a:ext uri="{909E8E84-426E-40DD-AFC4-6F175D3DCCD1}">
+              <a14:hiddenFill xmlns:a14="http://schemas.microsoft.com/office/drawing/2010/main">
+                <a:solidFill>
+                  <a:srgbClr val="FFFFFF"/>
+                </a:solidFill>
+              </a14:hiddenFill>
+            </a:ext>
+          </a:extLst>
+        </p:spPr>
+      </p:pic>
+      <p:sp>
+        <p:nvSpPr>
+          <p:cNvPr id="2" name="TextBox 1">
+            <a:extLst>
+              <a:ext uri="{FF2B5EF4-FFF2-40B4-BE49-F238E27FC236}">
+                <a16:creationId xmlns:a16="http://schemas.microsoft.com/office/drawing/2014/main" id="{086AE676-923D-4AD5-89FD-2CF49D269403}"/>
+              </a:ext>
+            </a:extLst>
+          </p:cNvPr>
+          <p:cNvSpPr txBox="1"/>
+          <p:nvPr/>
+        </p:nvSpPr>
+        <p:spPr>
+          <a:xfrm>
+            <a:off x="3293951" y="3429000"/>
+            <a:ext cx="5604098" cy="369332"/>
+          </a:xfrm>
+          <a:prstGeom prst="rect">
+            <a:avLst/>
+          </a:prstGeom>
+          <a:noFill/>
+        </p:spPr>
+        <p:txBody>
+          <a:bodyPr wrap="none" rtlCol="0">
+            <a:spAutoFit/>
+          </a:bodyPr>
+          <a:lstStyle/>
+          <a:p>
+            <a:r>
+              <a:rPr lang="en-US" dirty="0"/>
+              <a:t>Some samples: https://github.com/APIs-guru/graphql-apis</a:t>
+            </a:r>
+          </a:p>
+        </p:txBody>
+      </p:sp>
+      <p:sp>
+        <p:nvSpPr>
+          <p:cNvPr id="3" name="Footer Placeholder 2">
+            <a:extLst>
+              <a:ext uri="{FF2B5EF4-FFF2-40B4-BE49-F238E27FC236}">
+                <a16:creationId xmlns:a16="http://schemas.microsoft.com/office/drawing/2014/main" id="{395C9CF3-B22B-4780-9EEE-2B8A8AA837D7}"/>
+              </a:ext>
+            </a:extLst>
+          </p:cNvPr>
+          <p:cNvSpPr>
+            <a:spLocks noGrp="1"/>
+          </p:cNvSpPr>
+          <p:nvPr>
+            <p:ph type="ftr" sz="quarter" idx="11"/>
+          </p:nvPr>
+        </p:nvSpPr>
+        <p:spPr/>
+        <p:txBody>
+          <a:bodyPr/>
+          <a:lstStyle/>
+          <a:p>
+            <a:r>
+              <a:rPr lang="en-US" dirty="0"/>
+              <a:t>6 - Final</a:t>
+            </a:r>
+          </a:p>
+        </p:txBody>
+      </p:sp>
+    </p:spTree>
+    <p:extLst>
+      <p:ext uri="{BB962C8B-B14F-4D97-AF65-F5344CB8AC3E}">
+        <p14:creationId xmlns:p14="http://schemas.microsoft.com/office/powerpoint/2010/main" val="1426257705"/>
       </p:ext>
     </p:extLst>
   </p:cSld>
@@ -5041,4 +6039,299 @@
     </a:ext>
   </a:extLst>
 </a:theme>
+</file>
+
+<file path=ppt/theme/theme2.xml><?xml version="1.0" encoding="utf-8"?>
+<a:theme xmlns:a="http://schemas.openxmlformats.org/drawingml/2006/main" name="Office Theme">
+  <a:themeElements>
+    <a:clrScheme name="Office">
+      <a:dk1>
+        <a:sysClr val="windowText" lastClr="000000"/>
+      </a:dk1>
+      <a:lt1>
+        <a:sysClr val="window" lastClr="FFFFFF"/>
+      </a:lt1>
+      <a:dk2>
+        <a:srgbClr val="44546A"/>
+      </a:dk2>
+      <a:lt2>
+        <a:srgbClr val="E7E6E6"/>
+      </a:lt2>
+      <a:accent1>
+        <a:srgbClr val="4472C4"/>
+      </a:accent1>
+      <a:accent2>
+        <a:srgbClr val="ED7D31"/>
+      </a:accent2>
+      <a:accent3>
+        <a:srgbClr val="A5A5A5"/>
+      </a:accent3>
+      <a:accent4>
+        <a:srgbClr val="FFC000"/>
+      </a:accent4>
+      <a:accent5>
+        <a:srgbClr val="5B9BD5"/>
+      </a:accent5>
+      <a:accent6>
+        <a:srgbClr val="70AD47"/>
+      </a:accent6>
+      <a:hlink>
+        <a:srgbClr val="0563C1"/>
+      </a:hlink>
+      <a:folHlink>
+        <a:srgbClr val="954F72"/>
+      </a:folHlink>
+    </a:clrScheme>
+    <a:fontScheme name="Office">
+      <a:majorFont>
+        <a:latin typeface="Calibri Light" panose="020F0302020204030204"/>
+        <a:ea typeface=""/>
+        <a:cs typeface=""/>
+        <a:font script="Jpan" typeface="游ゴシック Light"/>
+        <a:font script="Hang" typeface="맑은 고딕"/>
+        <a:font script="Hans" typeface="等线 Light"/>
+        <a:font script="Hant" typeface="新細明體"/>
+        <a:font script="Arab" typeface="Times New Roman"/>
+        <a:font script="Hebr" typeface="Times New Roman"/>
+        <a:font script="Thai" typeface="Angsana New"/>
+        <a:font script="Ethi" typeface="Nyala"/>
+        <a:font script="Beng" typeface="Vrinda"/>
+        <a:font script="Gujr" typeface="Shruti"/>
+        <a:font script="Khmr" typeface="MoolBoran"/>
+        <a:font script="Knda" typeface="Tunga"/>
+        <a:font script="Guru" typeface="Raavi"/>
+        <a:font script="Cans" typeface="Euphemia"/>
+        <a:font script="Cher" typeface="Plantagenet Cherokee"/>
+        <a:font script="Yiii" typeface="Microsoft Yi Baiti"/>
+        <a:font script="Tibt" typeface="Microsoft Himalaya"/>
+        <a:font script="Thaa" typeface="MV Boli"/>
+        <a:font script="Deva" typeface="Mangal"/>
+        <a:font script="Telu" typeface="Gautami"/>
+        <a:font script="Taml" typeface="Latha"/>
+        <a:font script="Syrc" typeface="Estrangelo Edessa"/>
+        <a:font script="Orya" typeface="Kalinga"/>
+        <a:font script="Mlym" typeface="Kartika"/>
+        <a:font script="Laoo" typeface="DokChampa"/>
+        <a:font script="Sinh" typeface="Iskoola Pota"/>
+        <a:font script="Mong" typeface="Mongolian Baiti"/>
+        <a:font script="Viet" typeface="Times New Roman"/>
+        <a:font script="Uigh" typeface="Microsoft Uighur"/>
+        <a:font script="Geor" typeface="Sylfaen"/>
+        <a:font script="Armn" typeface="Arial"/>
+        <a:font script="Bugi" typeface="Leelawadee UI"/>
+        <a:font script="Bopo" typeface="Microsoft JhengHei"/>
+        <a:font script="Java" typeface="Javanese Text"/>
+        <a:font script="Lisu" typeface="Segoe UI"/>
+        <a:font script="Mymr" typeface="Myanmar Text"/>
+        <a:font script="Nkoo" typeface="Ebrima"/>
+        <a:font script="Olck" typeface="Nirmala UI"/>
+        <a:font script="Osma" typeface="Ebrima"/>
+        <a:font script="Phag" typeface="Phagspa"/>
+        <a:font script="Syrn" typeface="Estrangelo Edessa"/>
+        <a:font script="Syrj" typeface="Estrangelo Edessa"/>
+        <a:font script="Syre" typeface="Estrangelo Edessa"/>
+        <a:font script="Sora" typeface="Nirmala UI"/>
+        <a:font script="Tale" typeface="Microsoft Tai Le"/>
+        <a:font script="Talu" typeface="Microsoft New Tai Lue"/>
+        <a:font script="Tfng" typeface="Ebrima"/>
+      </a:majorFont>
+      <a:minorFont>
+        <a:latin typeface="Calibri" panose="020F0502020204030204"/>
+        <a:ea typeface=""/>
+        <a:cs typeface=""/>
+        <a:font script="Jpan" typeface="游ゴシック"/>
+        <a:font script="Hang" typeface="맑은 고딕"/>
+        <a:font script="Hans" typeface="等线"/>
+        <a:font script="Hant" typeface="新細明體"/>
+        <a:font script="Arab" typeface="Arial"/>
+        <a:font script="Hebr" typeface="Arial"/>
+        <a:font script="Thai" typeface="Cordia New"/>
+        <a:font script="Ethi" typeface="Nyala"/>
+        <a:font script="Beng" typeface="Vrinda"/>
+        <a:font script="Gujr" typeface="Shruti"/>
+        <a:font script="Khmr" typeface="DaunPenh"/>
+        <a:font script="Knda" typeface="Tunga"/>
+        <a:font script="Guru" typeface="Raavi"/>
+        <a:font script="Cans" typeface="Euphemia"/>
+        <a:font script="Cher" typeface="Plantagenet Cherokee"/>
+        <a:font script="Yiii" typeface="Microsoft Yi Baiti"/>
+        <a:font script="Tibt" typeface="Microsoft Himalaya"/>
+        <a:font script="Thaa" typeface="MV Boli"/>
+        <a:font script="Deva" typeface="Mangal"/>
+        <a:font script="Telu" typeface="Gautami"/>
+        <a:font script="Taml" typeface="Latha"/>
+        <a:font script="Syrc" typeface="Estrangelo Edessa"/>
+        <a:font script="Orya" typeface="Kalinga"/>
+        <a:font script="Mlym" typeface="Kartika"/>
+        <a:font script="Laoo" typeface="DokChampa"/>
+        <a:font script="Sinh" typeface="Iskoola Pota"/>
+        <a:font script="Mong" typeface="Mongolian Baiti"/>
+        <a:font script="Viet" typeface="Arial"/>
+        <a:font script="Uigh" typeface="Microsoft Uighur"/>
+        <a:font script="Geor" typeface="Sylfaen"/>
+        <a:font script="Armn" typeface="Arial"/>
+        <a:font script="Bugi" typeface="Leelawadee UI"/>
+        <a:font script="Bopo" typeface="Microsoft JhengHei"/>
+        <a:font script="Java" typeface="Javanese Text"/>
+        <a:font script="Lisu" typeface="Segoe UI"/>
+        <a:font script="Mymr" typeface="Myanmar Text"/>
+        <a:font script="Nkoo" typeface="Ebrima"/>
+        <a:font script="Olck" typeface="Nirmala UI"/>
+        <a:font script="Osma" typeface="Ebrima"/>
+        <a:font script="Phag" typeface="Phagspa"/>
+        <a:font script="Syrn" typeface="Estrangelo Edessa"/>
+        <a:font script="Syrj" typeface="Estrangelo Edessa"/>
+        <a:font script="Syre" typeface="Estrangelo Edessa"/>
+        <a:font script="Sora" typeface="Nirmala UI"/>
+        <a:font script="Tale" typeface="Microsoft Tai Le"/>
+        <a:font script="Talu" typeface="Microsoft New Tai Lue"/>
+        <a:font script="Tfng" typeface="Ebrima"/>
+      </a:minorFont>
+    </a:fontScheme>
+    <a:fmtScheme name="Office">
+      <a:fillStyleLst>
+        <a:solidFill>
+          <a:schemeClr val="phClr"/>
+        </a:solidFill>
+        <a:gradFill rotWithShape="1">
+          <a:gsLst>
+            <a:gs pos="0">
+              <a:schemeClr val="phClr">
+                <a:lumMod val="110000"/>
+                <a:satMod val="105000"/>
+                <a:tint val="67000"/>
+              </a:schemeClr>
+            </a:gs>
+            <a:gs pos="50000">
+              <a:schemeClr val="phClr">
+                <a:lumMod val="105000"/>
+                <a:satMod val="103000"/>
+                <a:tint val="73000"/>
+              </a:schemeClr>
+            </a:gs>
+            <a:gs pos="100000">
+              <a:schemeClr val="phClr">
+                <a:lumMod val="105000"/>
+                <a:satMod val="109000"/>
+                <a:tint val="81000"/>
+              </a:schemeClr>
+            </a:gs>
+          </a:gsLst>
+          <a:lin ang="5400000" scaled="0"/>
+        </a:gradFill>
+        <a:gradFill rotWithShape="1">
+          <a:gsLst>
+            <a:gs pos="0">
+              <a:schemeClr val="phClr">
+                <a:satMod val="103000"/>
+                <a:lumMod val="102000"/>
+                <a:tint val="94000"/>
+              </a:schemeClr>
+            </a:gs>
+            <a:gs pos="50000">
+              <a:schemeClr val="phClr">
+                <a:satMod val="110000"/>
+                <a:lumMod val="100000"/>
+                <a:shade val="100000"/>
+              </a:schemeClr>
+            </a:gs>
+            <a:gs pos="100000">
+              <a:schemeClr val="phClr">
+                <a:lumMod val="99000"/>
+                <a:satMod val="120000"/>
+                <a:shade val="78000"/>
+              </a:schemeClr>
+            </a:gs>
+          </a:gsLst>
+          <a:lin ang="5400000" scaled="0"/>
+        </a:gradFill>
+      </a:fillStyleLst>
+      <a:lnStyleLst>
+        <a:ln w="6350" cap="flat" cmpd="sng" algn="ctr">
+          <a:solidFill>
+            <a:schemeClr val="phClr"/>
+          </a:solidFill>
+          <a:prstDash val="solid"/>
+          <a:miter lim="800000"/>
+        </a:ln>
+        <a:ln w="12700" cap="flat" cmpd="sng" algn="ctr">
+          <a:solidFill>
+            <a:schemeClr val="phClr"/>
+          </a:solidFill>
+          <a:prstDash val="solid"/>
+          <a:miter lim="800000"/>
+        </a:ln>
+        <a:ln w="19050" cap="flat" cmpd="sng" algn="ctr">
+          <a:solidFill>
+            <a:schemeClr val="phClr"/>
+          </a:solidFill>
+          <a:prstDash val="solid"/>
+          <a:miter lim="800000"/>
+        </a:ln>
+      </a:lnStyleLst>
+      <a:effectStyleLst>
+        <a:effectStyle>
+          <a:effectLst/>
+        </a:effectStyle>
+        <a:effectStyle>
+          <a:effectLst/>
+        </a:effectStyle>
+        <a:effectStyle>
+          <a:effectLst>
+            <a:outerShdw blurRad="57150" dist="19050" dir="5400000" algn="ctr" rotWithShape="0">
+              <a:srgbClr val="000000">
+                <a:alpha val="63000"/>
+              </a:srgbClr>
+            </a:outerShdw>
+          </a:effectLst>
+        </a:effectStyle>
+      </a:effectStyleLst>
+      <a:bgFillStyleLst>
+        <a:solidFill>
+          <a:schemeClr val="phClr"/>
+        </a:solidFill>
+        <a:solidFill>
+          <a:schemeClr val="phClr">
+            <a:tint val="95000"/>
+            <a:satMod val="170000"/>
+          </a:schemeClr>
+        </a:solidFill>
+        <a:gradFill rotWithShape="1">
+          <a:gsLst>
+            <a:gs pos="0">
+              <a:schemeClr val="phClr">
+                <a:tint val="93000"/>
+                <a:satMod val="150000"/>
+                <a:shade val="98000"/>
+                <a:lumMod val="102000"/>
+              </a:schemeClr>
+            </a:gs>
+            <a:gs pos="50000">
+              <a:schemeClr val="phClr">
+                <a:tint val="98000"/>
+                <a:satMod val="130000"/>
+                <a:shade val="90000"/>
+                <a:lumMod val="103000"/>
+              </a:schemeClr>
+            </a:gs>
+            <a:gs pos="100000">
+              <a:schemeClr val="phClr">
+                <a:shade val="63000"/>
+                <a:satMod val="120000"/>
+              </a:schemeClr>
+            </a:gs>
+          </a:gsLst>
+          <a:lin ang="5400000" scaled="0"/>
+        </a:gradFill>
+      </a:bgFillStyleLst>
+    </a:fmtScheme>
+  </a:themeElements>
+  <a:objectDefaults/>
+  <a:extraClrSchemeLst/>
+  <a:extLst>
+    <a:ext uri="{05A4C25C-085E-4340-85A3-A5531E510DB2}">
+      <thm15:themeFamily xmlns:thm15="http://schemas.microsoft.com/office/thememl/2012/main" name="Office Theme" id="{62F939B6-93AF-4DB8-9C6B-D6C7DFDC589F}" vid="{4A3C46E8-61CC-4603-A589-7422A47A8E4A}"/>
+    </a:ext>
+  </a:extLst>
+</a:theme>
 </file>